--- a/BCB_2_ComputationalStats/project/ClassProject.pptx
+++ b/BCB_2_ComputationalStats/project/ClassProject.pptx
@@ -5,15 +5,18 @@
     <p:sldMasterId id="2147483648" r:id="rId1"/>
   </p:sldMasterIdLst>
   <p:notesMasterIdLst>
-    <p:notesMasterId r:id="rId5"/>
+    <p:notesMasterId r:id="rId8"/>
   </p:notesMasterIdLst>
   <p:handoutMasterIdLst>
-    <p:handoutMasterId r:id="rId6"/>
+    <p:handoutMasterId r:id="rId9"/>
   </p:handoutMasterIdLst>
   <p:sldIdLst>
     <p:sldId id="258" r:id="rId2"/>
-    <p:sldId id="264" r:id="rId3"/>
-    <p:sldId id="265" r:id="rId4"/>
+    <p:sldId id="266" r:id="rId3"/>
+    <p:sldId id="264" r:id="rId4"/>
+    <p:sldId id="265" r:id="rId5"/>
+    <p:sldId id="268" r:id="rId6"/>
+    <p:sldId id="267" r:id="rId7"/>
   </p:sldIdLst>
   <p:sldSz cx="9144000" cy="6858000" type="screen4x3"/>
   <p:notesSz cx="6858000" cy="9144000"/>
@@ -4151,13 +4154,7 @@
       </p:grpSpPr>
       <p:sp>
         <p:nvSpPr>
-          <p:cNvPr id="2" name="Title 1">
-            <a:extLst>
-              <a:ext uri="{FF2B5EF4-FFF2-40B4-BE49-F238E27FC236}">
-                <a16:creationId xmlns:a16="http://schemas.microsoft.com/office/drawing/2014/main" id="{206841EC-774D-5243-A6BE-2F1B9C0124AF}"/>
-              </a:ext>
-            </a:extLst>
-          </p:cNvPr>
+          <p:cNvPr id="2" name="Title 1"/>
           <p:cNvSpPr>
             <a:spLocks noGrp="1"/>
           </p:cNvSpPr>
@@ -4172,20 +4169,14 @@
           <a:p>
             <a:r>
               <a:rPr lang="en-US" dirty="0"/>
-              <a:t>Intro</a:t>
-            </a:r>
-          </a:p>
-        </p:txBody>
-      </p:sp>
-      <p:sp>
-        <p:nvSpPr>
-          <p:cNvPr id="3" name="Content Placeholder 2">
-            <a:extLst>
-              <a:ext uri="{FF2B5EF4-FFF2-40B4-BE49-F238E27FC236}">
-                <a16:creationId xmlns:a16="http://schemas.microsoft.com/office/drawing/2014/main" id="{868C00F5-872C-3341-ABF5-36E3B9CDBA2E}"/>
-              </a:ext>
-            </a:extLst>
-          </p:cNvPr>
+              <a:t>Outline</a:t>
+            </a:r>
+          </a:p>
+        </p:txBody>
+      </p:sp>
+      <p:sp>
+        <p:nvSpPr>
+          <p:cNvPr id="3" name="Content Placeholder 2"/>
           <p:cNvSpPr>
             <a:spLocks noGrp="1"/>
           </p:cNvSpPr>
@@ -4198,19 +4189,50 @@
           <a:bodyPr/>
           <a:lstStyle/>
           <a:p>
-            <a:endParaRPr lang="en-US"/>
-          </a:p>
-        </p:txBody>
-      </p:sp>
-      <p:sp>
-        <p:nvSpPr>
-          <p:cNvPr id="4" name="Slide Number Placeholder 3">
-            <a:extLst>
-              <a:ext uri="{FF2B5EF4-FFF2-40B4-BE49-F238E27FC236}">
-                <a16:creationId xmlns:a16="http://schemas.microsoft.com/office/drawing/2014/main" id="{E74C9AAE-14A9-C148-856A-84FBF4B935B1}"/>
-              </a:ext>
-            </a:extLst>
-          </p:cNvPr>
+            <a:r>
+              <a:rPr lang="en-US" dirty="0"/>
+              <a:t>RNA background </a:t>
+            </a:r>
+          </a:p>
+          <a:p>
+            <a:pPr marL="742950" lvl="2" indent="-342900"/>
+            <a:r>
+              <a:rPr lang="en-US" dirty="0"/>
+              <a:t>Function</a:t>
+            </a:r>
+          </a:p>
+          <a:p>
+            <a:pPr marL="742950" lvl="2" indent="-342900"/>
+            <a:r>
+              <a:rPr lang="en-US" dirty="0"/>
+              <a:t>Finding RNA families</a:t>
+            </a:r>
+          </a:p>
+          <a:p>
+            <a:r>
+              <a:rPr lang="en-US" dirty="0"/>
+              <a:t>Covariance model</a:t>
+            </a:r>
+          </a:p>
+          <a:p>
+            <a:pPr lvl="1"/>
+            <a:r>
+              <a:rPr lang="en-US" dirty="0"/>
+              <a:t>RNA ordered trees</a:t>
+            </a:r>
+          </a:p>
+          <a:p>
+            <a:pPr lvl="1"/>
+            <a:r>
+              <a:rPr lang="en-US" dirty="0"/>
+              <a:t>EM algorithm</a:t>
+            </a:r>
+          </a:p>
+        </p:txBody>
+      </p:sp>
+      <p:sp>
+        <p:nvSpPr>
+          <p:cNvPr id="4" name="Slide Number Placeholder 3"/>
           <p:cNvSpPr>
             <a:spLocks noGrp="1"/>
           </p:cNvSpPr>
@@ -4234,13 +4256,7 @@
       </p:sp>
       <p:sp>
         <p:nvSpPr>
-          <p:cNvPr id="5" name="Text Placeholder 4">
-            <a:extLst>
-              <a:ext uri="{FF2B5EF4-FFF2-40B4-BE49-F238E27FC236}">
-                <a16:creationId xmlns:a16="http://schemas.microsoft.com/office/drawing/2014/main" id="{A2ED6BE2-8643-5C4B-9058-7D548235ADF0}"/>
-              </a:ext>
-            </a:extLst>
-          </p:cNvPr>
+          <p:cNvPr id="5" name="Text Placeholder 4"/>
           <p:cNvSpPr>
             <a:spLocks noGrp="1"/>
           </p:cNvSpPr>
@@ -4260,7 +4276,7 @@
     </p:spTree>
     <p:extLst>
       <p:ext uri="{BB962C8B-B14F-4D97-AF65-F5344CB8AC3E}">
-        <p14:creationId xmlns:p14="http://schemas.microsoft.com/office/powerpoint/2010/main" val="1677475169"/>
+        <p14:creationId xmlns:p14="http://schemas.microsoft.com/office/powerpoint/2010/main" val="2174497586"/>
       </p:ext>
     </p:extLst>
   </p:cSld>
@@ -4292,6 +4308,144 @@
           <p:cNvPr id="2" name="Title 1">
             <a:extLst>
               <a:ext uri="{FF2B5EF4-FFF2-40B4-BE49-F238E27FC236}">
+                <a16:creationId xmlns:a16="http://schemas.microsoft.com/office/drawing/2014/main" id="{206841EC-774D-5243-A6BE-2F1B9C0124AF}"/>
+              </a:ext>
+            </a:extLst>
+          </p:cNvPr>
+          <p:cNvSpPr>
+            <a:spLocks noGrp="1"/>
+          </p:cNvSpPr>
+          <p:nvPr>
+            <p:ph type="title"/>
+          </p:nvPr>
+        </p:nvSpPr>
+        <p:spPr/>
+        <p:txBody>
+          <a:bodyPr/>
+          <a:lstStyle/>
+          <a:p>
+            <a:r>
+              <a:rPr lang="en-US" dirty="0"/>
+              <a:t>Intro</a:t>
+            </a:r>
+          </a:p>
+        </p:txBody>
+      </p:sp>
+      <p:sp>
+        <p:nvSpPr>
+          <p:cNvPr id="3" name="Content Placeholder 2">
+            <a:extLst>
+              <a:ext uri="{FF2B5EF4-FFF2-40B4-BE49-F238E27FC236}">
+                <a16:creationId xmlns:a16="http://schemas.microsoft.com/office/drawing/2014/main" id="{868C00F5-872C-3341-ABF5-36E3B9CDBA2E}"/>
+              </a:ext>
+            </a:extLst>
+          </p:cNvPr>
+          <p:cNvSpPr>
+            <a:spLocks noGrp="1"/>
+          </p:cNvSpPr>
+          <p:nvPr>
+            <p:ph idx="1"/>
+          </p:nvPr>
+        </p:nvSpPr>
+        <p:spPr/>
+        <p:txBody>
+          <a:bodyPr/>
+          <a:lstStyle/>
+          <a:p>
+            <a:endParaRPr lang="en-US"/>
+          </a:p>
+        </p:txBody>
+      </p:sp>
+      <p:sp>
+        <p:nvSpPr>
+          <p:cNvPr id="4" name="Slide Number Placeholder 3">
+            <a:extLst>
+              <a:ext uri="{FF2B5EF4-FFF2-40B4-BE49-F238E27FC236}">
+                <a16:creationId xmlns:a16="http://schemas.microsoft.com/office/drawing/2014/main" id="{E74C9AAE-14A9-C148-856A-84FBF4B935B1}"/>
+              </a:ext>
+            </a:extLst>
+          </p:cNvPr>
+          <p:cNvSpPr>
+            <a:spLocks noGrp="1"/>
+          </p:cNvSpPr>
+          <p:nvPr>
+            <p:ph type="sldNum" sz="quarter" idx="4"/>
+          </p:nvPr>
+        </p:nvSpPr>
+        <p:spPr/>
+        <p:txBody>
+          <a:bodyPr/>
+          <a:lstStyle/>
+          <a:p>
+            <a:fld id="{179A9A4E-4C82-4D44-9372-C31BB3818094}" type="slidenum">
+              <a:rPr lang="en-US" smtClean="0"/>
+              <a:pPr/>
+              <a:t>3</a:t>
+            </a:fld>
+            <a:endParaRPr lang="en-US" dirty="0"/>
+          </a:p>
+        </p:txBody>
+      </p:sp>
+      <p:sp>
+        <p:nvSpPr>
+          <p:cNvPr id="5" name="Text Placeholder 4">
+            <a:extLst>
+              <a:ext uri="{FF2B5EF4-FFF2-40B4-BE49-F238E27FC236}">
+                <a16:creationId xmlns:a16="http://schemas.microsoft.com/office/drawing/2014/main" id="{A2ED6BE2-8643-5C4B-9058-7D548235ADF0}"/>
+              </a:ext>
+            </a:extLst>
+          </p:cNvPr>
+          <p:cNvSpPr>
+            <a:spLocks noGrp="1"/>
+          </p:cNvSpPr>
+          <p:nvPr>
+            <p:ph type="body" sz="quarter" idx="10"/>
+          </p:nvPr>
+        </p:nvSpPr>
+        <p:spPr/>
+        <p:txBody>
+          <a:bodyPr/>
+          <a:lstStyle/>
+          <a:p>
+            <a:endParaRPr lang="en-US"/>
+          </a:p>
+        </p:txBody>
+      </p:sp>
+    </p:spTree>
+    <p:extLst>
+      <p:ext uri="{BB962C8B-B14F-4D97-AF65-F5344CB8AC3E}">
+        <p14:creationId xmlns:p14="http://schemas.microsoft.com/office/powerpoint/2010/main" val="1677475169"/>
+      </p:ext>
+    </p:extLst>
+  </p:cSld>
+  <p:clrMapOvr>
+    <a:masterClrMapping/>
+  </p:clrMapOvr>
+</p:sld>
+</file>
+
+<file path=ppt/slides/slide4.xml><?xml version="1.0" encoding="utf-8"?>
+<p:sld xmlns:a="http://schemas.openxmlformats.org/drawingml/2006/main" xmlns:r="http://schemas.openxmlformats.org/officeDocument/2006/relationships" xmlns:p="http://schemas.openxmlformats.org/presentationml/2006/main">
+  <p:cSld>
+    <p:spTree>
+      <p:nvGrpSpPr>
+        <p:cNvPr id="1" name=""/>
+        <p:cNvGrpSpPr/>
+        <p:nvPr/>
+      </p:nvGrpSpPr>
+      <p:grpSpPr>
+        <a:xfrm>
+          <a:off x="0" y="0"/>
+          <a:ext cx="0" cy="0"/>
+          <a:chOff x="0" y="0"/>
+          <a:chExt cx="0" cy="0"/>
+        </a:xfrm>
+      </p:grpSpPr>
+      <p:sp>
+        <p:nvSpPr>
+          <p:cNvPr id="2" name="Title 1">
+            <a:extLst>
+              <a:ext uri="{FF2B5EF4-FFF2-40B4-BE49-F238E27FC236}">
                 <a16:creationId xmlns:a16="http://schemas.microsoft.com/office/drawing/2014/main" id="{9D7ABEDE-5CAE-C54D-BD2F-FC043769B135}"/>
               </a:ext>
             </a:extLst>
@@ -4339,7 +4493,7 @@
             <a:fld id="{179A9A4E-4C82-4D44-9372-C31BB3818094}" type="slidenum">
               <a:rPr lang="en-US" smtClean="0"/>
               <a:pPr/>
-              <a:t>3</a:t>
+              <a:t>4</a:t>
             </a:fld>
             <a:endParaRPr lang="en-US" dirty="0"/>
           </a:p>
@@ -4385,7 +4539,7 @@
           <p:nvPr>
             <p:extLst>
               <p:ext uri="{D42A27DB-BD31-4B8C-83A1-F6EECF244321}">
-                <p14:modId xmlns:p14="http://schemas.microsoft.com/office/powerpoint/2010/main" val="436194362"/>
+                <p14:modId xmlns:p14="http://schemas.microsoft.com/office/powerpoint/2010/main" val="3828720329"/>
               </p:ext>
             </p:extLst>
           </p:nvPr>
@@ -4424,7 +4578,7 @@
                     <a:p>
                       <a:r>
                         <a:rPr lang="en-US" dirty="0"/>
-                        <a:t>M</a:t>
+                        <a:t>Variable</a:t>
                       </a:r>
                     </a:p>
                   </a:txBody>
@@ -4437,7 +4591,7 @@
                     <a:p>
                       <a:r>
                         <a:rPr lang="en-US" dirty="0"/>
-                        <a:t># of states</a:t>
+                        <a:t>Definition</a:t>
                       </a:r>
                     </a:p>
                   </a:txBody>
@@ -4521,7 +4675,10 @@
                     <a:bodyPr/>
                     <a:lstStyle/>
                     <a:p>
-                      <a:endParaRPr lang="en-US"/>
+                      <a:r>
+                        <a:rPr lang="en-US" dirty="0"/>
+                        <a:t>M</a:t>
+                      </a:r>
                     </a:p>
                   </a:txBody>
                   <a:tcPr/>
@@ -4531,7 +4688,15 @@
                     <a:bodyPr/>
                     <a:lstStyle/>
                     <a:p>
-                      <a:endParaRPr lang="en-US"/>
+                      <a:r>
+                        <a:rPr lang="en-US" dirty="0"/>
+                        <a:t>Number</a:t>
+                      </a:r>
+                      <a:r>
+                        <a:rPr lang="en-US" baseline="0" dirty="0"/>
+                        <a:t> of states</a:t>
+                      </a:r>
+                      <a:endParaRPr lang="en-US" dirty="0"/>
                     </a:p>
                   </a:txBody>
                   <a:tcPr/>
@@ -4585,7 +4750,7 @@
                     <a:bodyPr/>
                     <a:lstStyle/>
                     <a:p>
-                      <a:endParaRPr lang="en-US"/>
+                      <a:endParaRPr lang="en-US" dirty="0"/>
                     </a:p>
                   </a:txBody>
                   <a:tcPr/>
@@ -4604,6 +4769,1492 @@
     <p:extLst>
       <p:ext uri="{BB962C8B-B14F-4D97-AF65-F5344CB8AC3E}">
         <p14:creationId xmlns:p14="http://schemas.microsoft.com/office/powerpoint/2010/main" val="2484231074"/>
+      </p:ext>
+    </p:extLst>
+  </p:cSld>
+  <p:clrMapOvr>
+    <a:masterClrMapping/>
+  </p:clrMapOvr>
+</p:sld>
+</file>
+
+<file path=ppt/slides/slide5.xml><?xml version="1.0" encoding="utf-8"?>
+<p:sld xmlns:a="http://schemas.openxmlformats.org/drawingml/2006/main" xmlns:r="http://schemas.openxmlformats.org/officeDocument/2006/relationships" xmlns:p="http://schemas.openxmlformats.org/presentationml/2006/main">
+  <p:cSld>
+    <p:spTree>
+      <p:nvGrpSpPr>
+        <p:cNvPr id="1" name=""/>
+        <p:cNvGrpSpPr/>
+        <p:nvPr/>
+      </p:nvGrpSpPr>
+      <p:grpSpPr>
+        <a:xfrm>
+          <a:off x="0" y="0"/>
+          <a:ext cx="0" cy="0"/>
+          <a:chOff x="0" y="0"/>
+          <a:chExt cx="0" cy="0"/>
+        </a:xfrm>
+      </p:grpSpPr>
+      <p:sp>
+        <p:nvSpPr>
+          <p:cNvPr id="2" name="Title 1">
+            <a:extLst>
+              <a:ext uri="{FF2B5EF4-FFF2-40B4-BE49-F238E27FC236}">
+                <a16:creationId xmlns:a16="http://schemas.microsoft.com/office/drawing/2014/main" id="{9D7ABEDE-5CAE-C54D-BD2F-FC043769B135}"/>
+              </a:ext>
+            </a:extLst>
+          </p:cNvPr>
+          <p:cNvSpPr>
+            <a:spLocks noGrp="1"/>
+          </p:cNvSpPr>
+          <p:nvPr>
+            <p:ph type="title"/>
+          </p:nvPr>
+        </p:nvSpPr>
+        <p:spPr/>
+        <p:txBody>
+          <a:bodyPr/>
+          <a:lstStyle/>
+          <a:p>
+            <a:r>
+              <a:rPr lang="en-US" dirty="0"/>
+              <a:t>Covariance Models</a:t>
+            </a:r>
+          </a:p>
+        </p:txBody>
+      </p:sp>
+      <p:sp>
+        <p:nvSpPr>
+          <p:cNvPr id="4" name="Slide Number Placeholder 3">
+            <a:extLst>
+              <a:ext uri="{FF2B5EF4-FFF2-40B4-BE49-F238E27FC236}">
+                <a16:creationId xmlns:a16="http://schemas.microsoft.com/office/drawing/2014/main" id="{76657BC4-4C63-E445-BFC0-37BEE01E1244}"/>
+              </a:ext>
+            </a:extLst>
+          </p:cNvPr>
+          <p:cNvSpPr>
+            <a:spLocks noGrp="1"/>
+          </p:cNvSpPr>
+          <p:nvPr>
+            <p:ph type="sldNum" sz="quarter" idx="4"/>
+          </p:nvPr>
+        </p:nvSpPr>
+        <p:spPr/>
+        <p:txBody>
+          <a:bodyPr/>
+          <a:lstStyle/>
+          <a:p>
+            <a:fld id="{179A9A4E-4C82-4D44-9372-C31BB3818094}" type="slidenum">
+              <a:rPr lang="en-US" smtClean="0"/>
+              <a:pPr/>
+              <a:t>5</a:t>
+            </a:fld>
+            <a:endParaRPr lang="en-US" dirty="0"/>
+          </a:p>
+        </p:txBody>
+      </p:sp>
+      <p:sp>
+        <p:nvSpPr>
+          <p:cNvPr id="5" name="Text Placeholder 4">
+            <a:extLst>
+              <a:ext uri="{FF2B5EF4-FFF2-40B4-BE49-F238E27FC236}">
+                <a16:creationId xmlns:a16="http://schemas.microsoft.com/office/drawing/2014/main" id="{E022625C-9704-474F-B781-1347D292FDE0}"/>
+              </a:ext>
+            </a:extLst>
+          </p:cNvPr>
+          <p:cNvSpPr>
+            <a:spLocks noGrp="1"/>
+          </p:cNvSpPr>
+          <p:nvPr>
+            <p:ph type="body" sz="quarter" idx="10"/>
+          </p:nvPr>
+        </p:nvSpPr>
+        <p:spPr/>
+        <p:txBody>
+          <a:bodyPr/>
+          <a:lstStyle/>
+          <a:p>
+            <a:endParaRPr lang="en-US"/>
+          </a:p>
+        </p:txBody>
+      </p:sp>
+      <mc:AlternateContent xmlns:mc="http://schemas.openxmlformats.org/markup-compatibility/2006">
+        <mc:Choice xmlns:a14="http://schemas.microsoft.com/office/drawing/2010/main" Requires="a14">
+          <p:graphicFrame>
+            <p:nvGraphicFramePr>
+              <p:cNvPr id="6" name="Table 5">
+                <a:extLst>
+                  <a:ext uri="{FF2B5EF4-FFF2-40B4-BE49-F238E27FC236}">
+                    <a16:creationId xmlns:a16="http://schemas.microsoft.com/office/drawing/2014/main" id="{A20A0017-0BE9-E44E-BC99-6407560657CB}"/>
+                  </a:ext>
+                </a:extLst>
+              </p:cNvPr>
+              <p:cNvGraphicFramePr>
+                <a:graphicFrameLocks noGrp="1"/>
+              </p:cNvGraphicFramePr>
+              <p:nvPr>
+                <p:extLst>
+                  <p:ext uri="{D42A27DB-BD31-4B8C-83A1-F6EECF244321}">
+                    <p14:modId xmlns:p14="http://schemas.microsoft.com/office/powerpoint/2010/main" val="3117984378"/>
+                  </p:ext>
+                </p:extLst>
+              </p:nvPr>
+            </p:nvGraphicFramePr>
+            <p:xfrm>
+              <a:off x="761999" y="1268186"/>
+              <a:ext cx="7620000" cy="3576320"/>
+            </p:xfrm>
+            <a:graphic>
+              <a:graphicData uri="http://schemas.openxmlformats.org/drawingml/2006/table">
+                <a:tbl>
+                  <a:tblPr firstRow="1" bandRow="1">
+                    <a:tableStyleId>{5C22544A-7EE6-4342-B048-85BDC9FD1C3A}</a:tableStyleId>
+                  </a:tblPr>
+                  <a:tblGrid>
+                    <a:gridCol w="3810001">
+                      <a:extLst>
+                        <a:ext uri="{9D8B030D-6E8A-4147-A177-3AD203B41FA5}">
+                          <a16:colId xmlns:a16="http://schemas.microsoft.com/office/drawing/2014/main" val="3815925599"/>
+                        </a:ext>
+                      </a:extLst>
+                    </a:gridCol>
+                    <a:gridCol w="3809999">
+                      <a:extLst>
+                        <a:ext uri="{9D8B030D-6E8A-4147-A177-3AD203B41FA5}">
+                          <a16:colId xmlns:a16="http://schemas.microsoft.com/office/drawing/2014/main" val="2865932287"/>
+                        </a:ext>
+                      </a:extLst>
+                    </a:gridCol>
+                  </a:tblGrid>
+                  <a:tr h="370840">
+                    <a:tc>
+                      <a:txBody>
+                        <a:bodyPr/>
+                        <a:lstStyle/>
+                        <a:p>
+                          <a:r>
+                            <a:rPr lang="en-US" dirty="0"/>
+                            <a:t>Variable</a:t>
+                          </a:r>
+                        </a:p>
+                      </a:txBody>
+                      <a:tcPr/>
+                    </a:tc>
+                    <a:tc>
+                      <a:txBody>
+                        <a:bodyPr/>
+                        <a:lstStyle/>
+                        <a:p>
+                          <a:r>
+                            <a:rPr lang="en-US" dirty="0"/>
+                            <a:t>Definition</a:t>
+                          </a:r>
+                        </a:p>
+                      </a:txBody>
+                      <a:tcPr/>
+                    </a:tc>
+                    <a:extLst>
+                      <a:ext uri="{0D108BD9-81ED-4DB2-BD59-A6C34878D82A}">
+                        <a16:rowId xmlns:a16="http://schemas.microsoft.com/office/drawing/2014/main" val="2119623861"/>
+                      </a:ext>
+                    </a:extLst>
+                  </a:tr>
+                  <a:tr h="370840">
+                    <a:tc>
+                      <a:txBody>
+                        <a:bodyPr/>
+                        <a:lstStyle/>
+                        <a:p>
+                          <a:pPr/>
+                          <a14:m>
+                            <m:oMathPara xmlns:m="http://schemas.openxmlformats.org/officeDocument/2006/math">
+                              <m:oMathParaPr>
+                                <m:jc m:val="left"/>
+                              </m:oMathParaPr>
+                              <m:oMath xmlns:m="http://schemas.openxmlformats.org/officeDocument/2006/math">
+                                <m:r>
+                                  <a:rPr lang="en-US" b="0" i="1" smtClean="0">
+                                    <a:latin typeface="Cambria Math" panose="02040503050406030204" pitchFamily="18" charset="0"/>
+                                  </a:rPr>
+                                  <m:t>𝑓</m:t>
+                                </m:r>
+                                <m:sSub>
+                                  <m:sSubPr>
+                                    <m:ctrlPr>
+                                      <a:rPr lang="en-US" b="0" i="1" smtClean="0">
+                                        <a:latin typeface="Cambria Math" panose="02040503050406030204" pitchFamily="18" charset="0"/>
+                                      </a:rPr>
+                                    </m:ctrlPr>
+                                  </m:sSubPr>
+                                  <m:e>
+                                    <m:r>
+                                      <a:rPr lang="en-US" b="0" i="1" smtClean="0">
+                                        <a:latin typeface="Cambria Math" panose="02040503050406030204" pitchFamily="18" charset="0"/>
+                                      </a:rPr>
+                                      <m:t>𝑥</m:t>
+                                    </m:r>
+                                  </m:e>
+                                  <m:sub>
+                                    <m:r>
+                                      <a:rPr lang="en-US" b="0" i="1" smtClean="0">
+                                        <a:latin typeface="Cambria Math" panose="02040503050406030204" pitchFamily="18" charset="0"/>
+                                      </a:rPr>
+                                      <m:t>𝑖</m:t>
+                                    </m:r>
+                                  </m:sub>
+                                </m:sSub>
+                              </m:oMath>
+                            </m:oMathPara>
+                          </a14:m>
+                          <a:endParaRPr lang="en-US" dirty="0"/>
+                        </a:p>
+                      </a:txBody>
+                      <a:tcPr/>
+                    </a:tc>
+                    <a:tc>
+                      <a:txBody>
+                        <a:bodyPr/>
+                        <a:lstStyle/>
+                        <a:p>
+                          <a:r>
+                            <a:rPr lang="en-US" dirty="0"/>
+                            <a:t>Frequency of symbol at position </a:t>
+                          </a:r>
+                          <a:r>
+                            <a:rPr lang="en-US" dirty="0" err="1"/>
+                            <a:t>i</a:t>
+                          </a:r>
+                          <a:r>
+                            <a:rPr lang="en-US" dirty="0"/>
+                            <a:t> of MSA</a:t>
+                          </a:r>
+                        </a:p>
+                      </a:txBody>
+                      <a:tcPr/>
+                    </a:tc>
+                    <a:extLst>
+                      <a:ext uri="{0D108BD9-81ED-4DB2-BD59-A6C34878D82A}">
+                        <a16:rowId xmlns:a16="http://schemas.microsoft.com/office/drawing/2014/main" val="2244039342"/>
+                      </a:ext>
+                    </a:extLst>
+                  </a:tr>
+                  <a:tr h="370840">
+                    <a:tc>
+                      <a:txBody>
+                        <a:bodyPr/>
+                        <a:lstStyle/>
+                        <a:p>
+                          <a:pPr marL="0" marR="0" lvl="0" indent="0" algn="l" defTabSz="457200" rtl="0" eaLnBrk="1" fontAlgn="auto" latinLnBrk="0" hangingPunct="1">
+                            <a:lnSpc>
+                              <a:spcPct val="100000"/>
+                            </a:lnSpc>
+                            <a:spcBef>
+                              <a:spcPts val="0"/>
+                            </a:spcBef>
+                            <a:spcAft>
+                              <a:spcPts val="0"/>
+                            </a:spcAft>
+                            <a:buClrTx/>
+                            <a:buSzTx/>
+                            <a:buFontTx/>
+                            <a:buNone/>
+                            <a:tabLst/>
+                            <a:defRPr/>
+                          </a:pPr>
+                          <a14:m>
+                            <m:oMathPara xmlns:m="http://schemas.openxmlformats.org/officeDocument/2006/math">
+                              <m:oMathParaPr>
+                                <m:jc m:val="left"/>
+                              </m:oMathParaPr>
+                              <m:oMath xmlns:m="http://schemas.openxmlformats.org/officeDocument/2006/math">
+                                <m:r>
+                                  <a:rPr lang="en-US" b="0" i="1" smtClean="0">
+                                    <a:latin typeface="Cambria Math" panose="02040503050406030204" pitchFamily="18" charset="0"/>
+                                  </a:rPr>
+                                  <m:t>𝑓</m:t>
+                                </m:r>
+                                <m:sSub>
+                                  <m:sSubPr>
+                                    <m:ctrlPr>
+                                      <a:rPr lang="en-US" b="0" i="1" smtClean="0">
+                                        <a:latin typeface="Cambria Math" panose="02040503050406030204" pitchFamily="18" charset="0"/>
+                                      </a:rPr>
+                                    </m:ctrlPr>
+                                  </m:sSubPr>
+                                  <m:e>
+                                    <m:r>
+                                      <a:rPr lang="en-US" b="0" i="1" smtClean="0">
+                                        <a:latin typeface="Cambria Math" panose="02040503050406030204" pitchFamily="18" charset="0"/>
+                                      </a:rPr>
+                                      <m:t>𝑥</m:t>
+                                    </m:r>
+                                  </m:e>
+                                  <m:sub>
+                                    <m:r>
+                                      <a:rPr lang="en-US" b="0" i="1" smtClean="0">
+                                        <a:latin typeface="Cambria Math" panose="02040503050406030204" pitchFamily="18" charset="0"/>
+                                      </a:rPr>
+                                      <m:t>𝑗</m:t>
+                                    </m:r>
+                                  </m:sub>
+                                </m:sSub>
+                              </m:oMath>
+                            </m:oMathPara>
+                          </a14:m>
+                          <a:endParaRPr lang="en-US" dirty="0"/>
+                        </a:p>
+                      </a:txBody>
+                      <a:tcPr/>
+                    </a:tc>
+                    <a:tc>
+                      <a:txBody>
+                        <a:bodyPr/>
+                        <a:lstStyle/>
+                        <a:p>
+                          <a:pPr marL="0" marR="0" lvl="0" indent="0" algn="l" defTabSz="457200" rtl="0" eaLnBrk="1" fontAlgn="auto" latinLnBrk="0" hangingPunct="1">
+                            <a:lnSpc>
+                              <a:spcPct val="100000"/>
+                            </a:lnSpc>
+                            <a:spcBef>
+                              <a:spcPts val="0"/>
+                            </a:spcBef>
+                            <a:spcAft>
+                              <a:spcPts val="0"/>
+                            </a:spcAft>
+                            <a:buClrTx/>
+                            <a:buSzTx/>
+                            <a:buFontTx/>
+                            <a:buNone/>
+                            <a:tabLst/>
+                            <a:defRPr/>
+                          </a:pPr>
+                          <a:r>
+                            <a:rPr lang="en-US" dirty="0"/>
+                            <a:t>Frequency of symbol at position j of MSA</a:t>
+                          </a:r>
+                        </a:p>
+                      </a:txBody>
+                      <a:tcPr/>
+                    </a:tc>
+                    <a:extLst>
+                      <a:ext uri="{0D108BD9-81ED-4DB2-BD59-A6C34878D82A}">
+                        <a16:rowId xmlns:a16="http://schemas.microsoft.com/office/drawing/2014/main" val="1068366627"/>
+                      </a:ext>
+                    </a:extLst>
+                  </a:tr>
+                  <a:tr h="370840">
+                    <a:tc>
+                      <a:txBody>
+                        <a:bodyPr/>
+                        <a:lstStyle/>
+                        <a:p>
+                          <a:pPr marL="0" marR="0" lvl="0" indent="0" algn="l" defTabSz="457200" rtl="0" eaLnBrk="1" fontAlgn="auto" latinLnBrk="0" hangingPunct="1">
+                            <a:lnSpc>
+                              <a:spcPct val="100000"/>
+                            </a:lnSpc>
+                            <a:spcBef>
+                              <a:spcPts val="0"/>
+                            </a:spcBef>
+                            <a:spcAft>
+                              <a:spcPts val="0"/>
+                            </a:spcAft>
+                            <a:buClrTx/>
+                            <a:buSzTx/>
+                            <a:buFontTx/>
+                            <a:buNone/>
+                            <a:tabLst/>
+                            <a:defRPr/>
+                          </a:pPr>
+                          <a14:m>
+                            <m:oMathPara xmlns:m="http://schemas.openxmlformats.org/officeDocument/2006/math">
+                              <m:oMathParaPr>
+                                <m:jc m:val="left"/>
+                              </m:oMathParaPr>
+                              <m:oMath xmlns:m="http://schemas.openxmlformats.org/officeDocument/2006/math">
+                                <m:r>
+                                  <a:rPr lang="en-US" b="0" i="1" smtClean="0">
+                                    <a:latin typeface="Cambria Math" panose="02040503050406030204" pitchFamily="18" charset="0"/>
+                                  </a:rPr>
+                                  <m:t>𝑓</m:t>
+                                </m:r>
+                                <m:sSub>
+                                  <m:sSubPr>
+                                    <m:ctrlPr>
+                                      <a:rPr lang="en-US" b="0" i="1" smtClean="0">
+                                        <a:latin typeface="Cambria Math" panose="02040503050406030204" pitchFamily="18" charset="0"/>
+                                      </a:rPr>
+                                    </m:ctrlPr>
+                                  </m:sSubPr>
+                                  <m:e>
+                                    <m:r>
+                                      <a:rPr lang="en-US" b="0" i="1" smtClean="0">
+                                        <a:latin typeface="Cambria Math" panose="02040503050406030204" pitchFamily="18" charset="0"/>
+                                      </a:rPr>
+                                      <m:t>𝑥</m:t>
+                                    </m:r>
+                                  </m:e>
+                                  <m:sub>
+                                    <m:r>
+                                      <a:rPr lang="en-US" b="0" i="1" smtClean="0">
+                                        <a:latin typeface="Cambria Math" panose="02040503050406030204" pitchFamily="18" charset="0"/>
+                                      </a:rPr>
+                                      <m:t>𝑖</m:t>
+                                    </m:r>
+                                  </m:sub>
+                                </m:sSub>
+                                <m:sSub>
+                                  <m:sSubPr>
+                                    <m:ctrlPr>
+                                      <a:rPr lang="en-US" b="0" i="1" smtClean="0">
+                                        <a:latin typeface="Cambria Math" panose="02040503050406030204" pitchFamily="18" charset="0"/>
+                                      </a:rPr>
+                                    </m:ctrlPr>
+                                  </m:sSubPr>
+                                  <m:e>
+                                    <m:r>
+                                      <a:rPr lang="en-US" b="0" i="1" smtClean="0">
+                                        <a:latin typeface="Cambria Math" panose="02040503050406030204" pitchFamily="18" charset="0"/>
+                                      </a:rPr>
+                                      <m:t>𝑥</m:t>
+                                    </m:r>
+                                  </m:e>
+                                  <m:sub>
+                                    <m:r>
+                                      <a:rPr lang="en-US" b="0" i="1" smtClean="0">
+                                        <a:latin typeface="Cambria Math" panose="02040503050406030204" pitchFamily="18" charset="0"/>
+                                      </a:rPr>
+                                      <m:t>𝑗</m:t>
+                                    </m:r>
+                                  </m:sub>
+                                </m:sSub>
+                              </m:oMath>
+                            </m:oMathPara>
+                          </a14:m>
+                          <a:endParaRPr lang="en-US" dirty="0"/>
+                        </a:p>
+                      </a:txBody>
+                      <a:tcPr/>
+                    </a:tc>
+                    <a:tc>
+                      <a:txBody>
+                        <a:bodyPr/>
+                        <a:lstStyle/>
+                        <a:p>
+                          <a:r>
+                            <a:rPr lang="en-US" dirty="0"/>
+                            <a:t>Joint frequency of symbol pair at position </a:t>
+                          </a:r>
+                          <a:r>
+                            <a:rPr lang="en-US" dirty="0" err="1"/>
+                            <a:t>i</a:t>
+                          </a:r>
+                          <a:r>
+                            <a:rPr lang="en-US" dirty="0"/>
+                            <a:t> and j</a:t>
+                          </a:r>
+                        </a:p>
+                      </a:txBody>
+                      <a:tcPr/>
+                    </a:tc>
+                    <a:extLst>
+                      <a:ext uri="{0D108BD9-81ED-4DB2-BD59-A6C34878D82A}">
+                        <a16:rowId xmlns:a16="http://schemas.microsoft.com/office/drawing/2014/main" val="4018333115"/>
+                      </a:ext>
+                    </a:extLst>
+                  </a:tr>
+                  <a:tr h="370840">
+                    <a:tc>
+                      <a:txBody>
+                        <a:bodyPr/>
+                        <a:lstStyle/>
+                        <a:p>
+                          <a:pPr/>
+                          <a14:m>
+                            <m:oMathPara xmlns:m="http://schemas.openxmlformats.org/officeDocument/2006/math">
+                              <m:oMathParaPr>
+                                <m:jc m:val="left"/>
+                              </m:oMathParaPr>
+                              <m:oMath xmlns:m="http://schemas.openxmlformats.org/officeDocument/2006/math">
+                                <m:sSub>
+                                  <m:sSubPr>
+                                    <m:ctrlPr>
+                                      <a:rPr lang="en-US" i="1" smtClean="0">
+                                        <a:latin typeface="Cambria Math" panose="02040503050406030204" pitchFamily="18" charset="0"/>
+                                      </a:rPr>
+                                    </m:ctrlPr>
+                                  </m:sSubPr>
+                                  <m:e>
+                                    <m:r>
+                                      <a:rPr lang="en-US" b="0" i="1" smtClean="0">
+                                        <a:latin typeface="Cambria Math" panose="02040503050406030204" pitchFamily="18" charset="0"/>
+                                      </a:rPr>
+                                      <m:t>𝑀</m:t>
+                                    </m:r>
+                                  </m:e>
+                                  <m:sub>
+                                    <m:r>
+                                      <a:rPr lang="en-US" b="0" i="1" smtClean="0">
+                                        <a:latin typeface="Cambria Math" panose="02040503050406030204" pitchFamily="18" charset="0"/>
+                                      </a:rPr>
+                                      <m:t>𝑖𝑗</m:t>
+                                    </m:r>
+                                  </m:sub>
+                                </m:sSub>
+                              </m:oMath>
+                            </m:oMathPara>
+                          </a14:m>
+                          <a:endParaRPr lang="en-US" dirty="0"/>
+                        </a:p>
+                      </a:txBody>
+                      <a:tcPr/>
+                    </a:tc>
+                    <a:tc>
+                      <a:txBody>
+                        <a:bodyPr/>
+                        <a:lstStyle/>
+                        <a:p>
+                          <a:r>
+                            <a:rPr lang="en-US" dirty="0"/>
+                            <a:t>Mutual information, expected gain in score from assigning </a:t>
+                          </a:r>
+                          <a:r>
+                            <a:rPr lang="en-US" dirty="0" err="1"/>
+                            <a:t>i</a:t>
+                          </a:r>
+                          <a:r>
+                            <a:rPr lang="en-US" dirty="0"/>
+                            <a:t> and j to a pairwise state instead of single states </a:t>
+                          </a:r>
+                        </a:p>
+                      </a:txBody>
+                      <a:tcPr/>
+                    </a:tc>
+                    <a:extLst>
+                      <a:ext uri="{0D108BD9-81ED-4DB2-BD59-A6C34878D82A}">
+                        <a16:rowId xmlns:a16="http://schemas.microsoft.com/office/drawing/2014/main" val="1833891570"/>
+                      </a:ext>
+                    </a:extLst>
+                  </a:tr>
+                  <a:tr h="370840">
+                    <a:tc>
+                      <a:txBody>
+                        <a:bodyPr/>
+                        <a:lstStyle/>
+                        <a:p>
+                          <a:endParaRPr lang="en-US"/>
+                        </a:p>
+                      </a:txBody>
+                      <a:tcPr/>
+                    </a:tc>
+                    <a:tc>
+                      <a:txBody>
+                        <a:bodyPr/>
+                        <a:lstStyle/>
+                        <a:p>
+                          <a:endParaRPr lang="en-US" dirty="0"/>
+                        </a:p>
+                      </a:txBody>
+                      <a:tcPr/>
+                    </a:tc>
+                    <a:extLst>
+                      <a:ext uri="{0D108BD9-81ED-4DB2-BD59-A6C34878D82A}">
+                        <a16:rowId xmlns:a16="http://schemas.microsoft.com/office/drawing/2014/main" val="2374890926"/>
+                      </a:ext>
+                    </a:extLst>
+                  </a:tr>
+                </a:tbl>
+              </a:graphicData>
+            </a:graphic>
+          </p:graphicFrame>
+        </mc:Choice>
+        <mc:Fallback>
+          <p:graphicFrame>
+            <p:nvGraphicFramePr>
+              <p:cNvPr id="6" name="Table 5">
+                <a:extLst>
+                  <a:ext uri="{FF2B5EF4-FFF2-40B4-BE49-F238E27FC236}">
+                    <a16:creationId xmlns:a16="http://schemas.microsoft.com/office/drawing/2014/main" id="{A20A0017-0BE9-E44E-BC99-6407560657CB}"/>
+                  </a:ext>
+                </a:extLst>
+              </p:cNvPr>
+              <p:cNvGraphicFramePr>
+                <a:graphicFrameLocks noGrp="1"/>
+              </p:cNvGraphicFramePr>
+              <p:nvPr>
+                <p:extLst>
+                  <p:ext uri="{D42A27DB-BD31-4B8C-83A1-F6EECF244321}">
+                    <p14:modId xmlns:p14="http://schemas.microsoft.com/office/powerpoint/2010/main" val="3117984378"/>
+                  </p:ext>
+                </p:extLst>
+              </p:nvPr>
+            </p:nvGraphicFramePr>
+            <p:xfrm>
+              <a:off x="761999" y="1268186"/>
+              <a:ext cx="7620000" cy="3576320"/>
+            </p:xfrm>
+            <a:graphic>
+              <a:graphicData uri="http://schemas.openxmlformats.org/drawingml/2006/table">
+                <a:tbl>
+                  <a:tblPr firstRow="1" bandRow="1">
+                    <a:tableStyleId>{5C22544A-7EE6-4342-B048-85BDC9FD1C3A}</a:tableStyleId>
+                  </a:tblPr>
+                  <a:tblGrid>
+                    <a:gridCol w="3810001">
+                      <a:extLst>
+                        <a:ext uri="{9D8B030D-6E8A-4147-A177-3AD203B41FA5}">
+                          <a16:colId xmlns:a16="http://schemas.microsoft.com/office/drawing/2014/main" val="3815925599"/>
+                        </a:ext>
+                      </a:extLst>
+                    </a:gridCol>
+                    <a:gridCol w="3809999">
+                      <a:extLst>
+                        <a:ext uri="{9D8B030D-6E8A-4147-A177-3AD203B41FA5}">
+                          <a16:colId xmlns:a16="http://schemas.microsoft.com/office/drawing/2014/main" val="2865932287"/>
+                        </a:ext>
+                      </a:extLst>
+                    </a:gridCol>
+                  </a:tblGrid>
+                  <a:tr h="370840">
+                    <a:tc>
+                      <a:txBody>
+                        <a:bodyPr/>
+                        <a:lstStyle/>
+                        <a:p>
+                          <a:r>
+                            <a:rPr lang="en-US" dirty="0"/>
+                            <a:t>Variable</a:t>
+                          </a:r>
+                        </a:p>
+                      </a:txBody>
+                      <a:tcPr/>
+                    </a:tc>
+                    <a:tc>
+                      <a:txBody>
+                        <a:bodyPr/>
+                        <a:lstStyle/>
+                        <a:p>
+                          <a:r>
+                            <a:rPr lang="en-US" dirty="0"/>
+                            <a:t>Definition</a:t>
+                          </a:r>
+                        </a:p>
+                      </a:txBody>
+                      <a:tcPr/>
+                    </a:tc>
+                    <a:extLst>
+                      <a:ext uri="{0D108BD9-81ED-4DB2-BD59-A6C34878D82A}">
+                        <a16:rowId xmlns:a16="http://schemas.microsoft.com/office/drawing/2014/main" val="2119623861"/>
+                      </a:ext>
+                    </a:extLst>
+                  </a:tr>
+                  <a:tr h="640080">
+                    <a:tc>
+                      <a:txBody>
+                        <a:bodyPr/>
+                        <a:lstStyle/>
+                        <a:p>
+                          <a:endParaRPr lang="en-US"/>
+                        </a:p>
+                      </a:txBody>
+                      <a:tcPr>
+                        <a:blipFill>
+                          <a:blip r:embed="rId2"/>
+                          <a:stretch>
+                            <a:fillRect t="-60784" r="-100332" b="-398039"/>
+                          </a:stretch>
+                        </a:blipFill>
+                      </a:tcPr>
+                    </a:tc>
+                    <a:tc>
+                      <a:txBody>
+                        <a:bodyPr/>
+                        <a:lstStyle/>
+                        <a:p>
+                          <a:r>
+                            <a:rPr lang="en-US" dirty="0"/>
+                            <a:t>Frequency of symbol at position </a:t>
+                          </a:r>
+                          <a:r>
+                            <a:rPr lang="en-US" dirty="0" err="1"/>
+                            <a:t>i</a:t>
+                          </a:r>
+                          <a:r>
+                            <a:rPr lang="en-US" dirty="0"/>
+                            <a:t> of MSA</a:t>
+                          </a:r>
+                        </a:p>
+                      </a:txBody>
+                      <a:tcPr/>
+                    </a:tc>
+                    <a:extLst>
+                      <a:ext uri="{0D108BD9-81ED-4DB2-BD59-A6C34878D82A}">
+                        <a16:rowId xmlns:a16="http://schemas.microsoft.com/office/drawing/2014/main" val="2244039342"/>
+                      </a:ext>
+                    </a:extLst>
+                  </a:tr>
+                  <a:tr h="640080">
+                    <a:tc>
+                      <a:txBody>
+                        <a:bodyPr/>
+                        <a:lstStyle/>
+                        <a:p>
+                          <a:endParaRPr lang="en-US"/>
+                        </a:p>
+                      </a:txBody>
+                      <a:tcPr>
+                        <a:blipFill>
+                          <a:blip r:embed="rId2"/>
+                          <a:stretch>
+                            <a:fillRect t="-160784" r="-100332" b="-298039"/>
+                          </a:stretch>
+                        </a:blipFill>
+                      </a:tcPr>
+                    </a:tc>
+                    <a:tc>
+                      <a:txBody>
+                        <a:bodyPr/>
+                        <a:lstStyle/>
+                        <a:p>
+                          <a:pPr marL="0" marR="0" lvl="0" indent="0" algn="l" defTabSz="457200" rtl="0" eaLnBrk="1" fontAlgn="auto" latinLnBrk="0" hangingPunct="1">
+                            <a:lnSpc>
+                              <a:spcPct val="100000"/>
+                            </a:lnSpc>
+                            <a:spcBef>
+                              <a:spcPts val="0"/>
+                            </a:spcBef>
+                            <a:spcAft>
+                              <a:spcPts val="0"/>
+                            </a:spcAft>
+                            <a:buClrTx/>
+                            <a:buSzTx/>
+                            <a:buFontTx/>
+                            <a:buNone/>
+                            <a:tabLst/>
+                            <a:defRPr/>
+                          </a:pPr>
+                          <a:r>
+                            <a:rPr lang="en-US" dirty="0"/>
+                            <a:t>Frequency of symbol at position j of MSA</a:t>
+                          </a:r>
+                        </a:p>
+                      </a:txBody>
+                      <a:tcPr/>
+                    </a:tc>
+                    <a:extLst>
+                      <a:ext uri="{0D108BD9-81ED-4DB2-BD59-A6C34878D82A}">
+                        <a16:rowId xmlns:a16="http://schemas.microsoft.com/office/drawing/2014/main" val="1068366627"/>
+                      </a:ext>
+                    </a:extLst>
+                  </a:tr>
+                  <a:tr h="640080">
+                    <a:tc>
+                      <a:txBody>
+                        <a:bodyPr/>
+                        <a:lstStyle/>
+                        <a:p>
+                          <a:endParaRPr lang="en-US"/>
+                        </a:p>
+                      </a:txBody>
+                      <a:tcPr>
+                        <a:blipFill>
+                          <a:blip r:embed="rId2"/>
+                          <a:stretch>
+                            <a:fillRect t="-266000" r="-100332" b="-204000"/>
+                          </a:stretch>
+                        </a:blipFill>
+                      </a:tcPr>
+                    </a:tc>
+                    <a:tc>
+                      <a:txBody>
+                        <a:bodyPr/>
+                        <a:lstStyle/>
+                        <a:p>
+                          <a:r>
+                            <a:rPr lang="en-US" dirty="0"/>
+                            <a:t>Joint frequency of symbol pair at position </a:t>
+                          </a:r>
+                          <a:r>
+                            <a:rPr lang="en-US" dirty="0" err="1"/>
+                            <a:t>i</a:t>
+                          </a:r>
+                          <a:r>
+                            <a:rPr lang="en-US" dirty="0"/>
+                            <a:t> and j</a:t>
+                          </a:r>
+                        </a:p>
+                      </a:txBody>
+                      <a:tcPr/>
+                    </a:tc>
+                    <a:extLst>
+                      <a:ext uri="{0D108BD9-81ED-4DB2-BD59-A6C34878D82A}">
+                        <a16:rowId xmlns:a16="http://schemas.microsoft.com/office/drawing/2014/main" val="4018333115"/>
+                      </a:ext>
+                    </a:extLst>
+                  </a:tr>
+                  <a:tr h="914400">
+                    <a:tc>
+                      <a:txBody>
+                        <a:bodyPr/>
+                        <a:lstStyle/>
+                        <a:p>
+                          <a:endParaRPr lang="en-US"/>
+                        </a:p>
+                      </a:txBody>
+                      <a:tcPr>
+                        <a:blipFill>
+                          <a:blip r:embed="rId2"/>
+                          <a:stretch>
+                            <a:fillRect t="-250685" r="-100332" b="-39726"/>
+                          </a:stretch>
+                        </a:blipFill>
+                      </a:tcPr>
+                    </a:tc>
+                    <a:tc>
+                      <a:txBody>
+                        <a:bodyPr/>
+                        <a:lstStyle/>
+                        <a:p>
+                          <a:r>
+                            <a:rPr lang="en-US" dirty="0"/>
+                            <a:t>Mutual information, expected gain in score from assigning </a:t>
+                          </a:r>
+                          <a:r>
+                            <a:rPr lang="en-US" dirty="0" err="1"/>
+                            <a:t>i</a:t>
+                          </a:r>
+                          <a:r>
+                            <a:rPr lang="en-US" dirty="0"/>
+                            <a:t> and j to a pairwise state instead of single states </a:t>
+                          </a:r>
+                        </a:p>
+                      </a:txBody>
+                      <a:tcPr/>
+                    </a:tc>
+                    <a:extLst>
+                      <a:ext uri="{0D108BD9-81ED-4DB2-BD59-A6C34878D82A}">
+                        <a16:rowId xmlns:a16="http://schemas.microsoft.com/office/drawing/2014/main" val="1833891570"/>
+                      </a:ext>
+                    </a:extLst>
+                  </a:tr>
+                  <a:tr h="370840">
+                    <a:tc>
+                      <a:txBody>
+                        <a:bodyPr/>
+                        <a:lstStyle/>
+                        <a:p>
+                          <a:endParaRPr lang="en-US"/>
+                        </a:p>
+                      </a:txBody>
+                      <a:tcPr/>
+                    </a:tc>
+                    <a:tc>
+                      <a:txBody>
+                        <a:bodyPr/>
+                        <a:lstStyle/>
+                        <a:p>
+                          <a:endParaRPr lang="en-US" dirty="0"/>
+                        </a:p>
+                      </a:txBody>
+                      <a:tcPr/>
+                    </a:tc>
+                    <a:extLst>
+                      <a:ext uri="{0D108BD9-81ED-4DB2-BD59-A6C34878D82A}">
+                        <a16:rowId xmlns:a16="http://schemas.microsoft.com/office/drawing/2014/main" val="2374890926"/>
+                      </a:ext>
+                    </a:extLst>
+                  </a:tr>
+                </a:tbl>
+              </a:graphicData>
+            </a:graphic>
+          </p:graphicFrame>
+        </mc:Fallback>
+      </mc:AlternateContent>
+      <mc:AlternateContent xmlns:mc="http://schemas.openxmlformats.org/markup-compatibility/2006">
+        <mc:Choice xmlns:a14="http://schemas.microsoft.com/office/drawing/2010/main" Requires="a14">
+          <p:sp>
+            <p:nvSpPr>
+              <p:cNvPr id="3" name="TextBox 2">
+                <a:extLst>
+                  <a:ext uri="{FF2B5EF4-FFF2-40B4-BE49-F238E27FC236}">
+                    <a16:creationId xmlns:a16="http://schemas.microsoft.com/office/drawing/2014/main" id="{0760330B-F755-AE4D-8032-5DBB20B6404F}"/>
+                  </a:ext>
+                </a:extLst>
+              </p:cNvPr>
+              <p:cNvSpPr txBox="1"/>
+              <p:nvPr/>
+            </p:nvSpPr>
+            <p:spPr>
+              <a:xfrm>
+                <a:off x="2832099" y="4932959"/>
+                <a:ext cx="3479799" cy="1027333"/>
+              </a:xfrm>
+              <a:prstGeom prst="rect">
+                <a:avLst/>
+              </a:prstGeom>
+              <a:noFill/>
+            </p:spPr>
+            <p:txBody>
+              <a:bodyPr wrap="none" lIns="0" tIns="0" rIns="0" bIns="0" rtlCol="0">
+                <a:spAutoFit/>
+              </a:bodyPr>
+              <a:lstStyle/>
+              <a:p>
+                <a14:m>
+                  <m:oMathPara xmlns:m="http://schemas.openxmlformats.org/officeDocument/2006/math">
+                    <m:oMathParaPr>
+                      <m:jc m:val="centerGroup"/>
+                    </m:oMathParaPr>
+                    <m:oMath xmlns:m="http://schemas.openxmlformats.org/officeDocument/2006/math">
+                      <m:sSub>
+                        <m:sSubPr>
+                          <m:ctrlPr>
+                            <a:rPr lang="en-US" b="0" i="1" smtClean="0">
+                              <a:latin typeface="Cambria Math" panose="02040503050406030204" pitchFamily="18" charset="0"/>
+                            </a:rPr>
+                          </m:ctrlPr>
+                        </m:sSubPr>
+                        <m:e>
+                          <m:r>
+                            <a:rPr lang="en-US" b="0" i="1" smtClean="0">
+                              <a:latin typeface="Cambria Math" panose="02040503050406030204" pitchFamily="18" charset="0"/>
+                            </a:rPr>
+                            <m:t>𝑀</m:t>
+                          </m:r>
+                        </m:e>
+                        <m:sub>
+                          <m:r>
+                            <a:rPr lang="en-US" b="0" i="1" smtClean="0">
+                              <a:latin typeface="Cambria Math" panose="02040503050406030204" pitchFamily="18" charset="0"/>
+                            </a:rPr>
+                            <m:t>𝑖𝑗</m:t>
+                          </m:r>
+                        </m:sub>
+                      </m:sSub>
+                      <m:r>
+                        <a:rPr lang="en-US" b="0" i="1" smtClean="0">
+                          <a:latin typeface="Cambria Math" panose="02040503050406030204" pitchFamily="18" charset="0"/>
+                        </a:rPr>
+                        <m:t>=</m:t>
+                      </m:r>
+                      <m:nary>
+                        <m:naryPr>
+                          <m:chr m:val="∑"/>
+                          <m:supHide m:val="on"/>
+                          <m:ctrlPr>
+                            <a:rPr lang="en-US" b="0" i="1" smtClean="0">
+                              <a:latin typeface="Cambria Math" panose="02040503050406030204" pitchFamily="18" charset="0"/>
+                            </a:rPr>
+                          </m:ctrlPr>
+                        </m:naryPr>
+                        <m:sub>
+                          <m:sSub>
+                            <m:sSubPr>
+                              <m:ctrlPr>
+                                <a:rPr lang="en-US" i="1">
+                                  <a:latin typeface="Cambria Math" panose="02040503050406030204" pitchFamily="18" charset="0"/>
+                                </a:rPr>
+                              </m:ctrlPr>
+                            </m:sSubPr>
+                            <m:e>
+                              <m:r>
+                                <a:rPr lang="en-US" i="1">
+                                  <a:latin typeface="Cambria Math" panose="02040503050406030204" pitchFamily="18" charset="0"/>
+                                </a:rPr>
+                                <m:t>𝑥</m:t>
+                              </m:r>
+                            </m:e>
+                            <m:sub>
+                              <m:r>
+                                <a:rPr lang="en-US" i="1">
+                                  <a:latin typeface="Cambria Math" panose="02040503050406030204" pitchFamily="18" charset="0"/>
+                                </a:rPr>
+                                <m:t>𝑖</m:t>
+                              </m:r>
+                            </m:sub>
+                          </m:sSub>
+                          <m:r>
+                            <m:rPr>
+                              <m:brk m:alnAt="23"/>
+                            </m:rPr>
+                            <a:rPr lang="en-US" i="1">
+                              <a:latin typeface="Cambria Math" panose="02040503050406030204" pitchFamily="18" charset="0"/>
+                            </a:rPr>
+                            <m:t>,</m:t>
+                          </m:r>
+                          <m:sSub>
+                            <m:sSubPr>
+                              <m:ctrlPr>
+                                <a:rPr lang="en-US" i="1">
+                                  <a:latin typeface="Cambria Math" panose="02040503050406030204" pitchFamily="18" charset="0"/>
+                                </a:rPr>
+                              </m:ctrlPr>
+                            </m:sSubPr>
+                            <m:e>
+                              <m:r>
+                                <a:rPr lang="en-US" i="1">
+                                  <a:latin typeface="Cambria Math" panose="02040503050406030204" pitchFamily="18" charset="0"/>
+                                </a:rPr>
+                                <m:t>𝑥</m:t>
+                              </m:r>
+                            </m:e>
+                            <m:sub>
+                              <m:r>
+                                <a:rPr lang="en-US" i="1">
+                                  <a:latin typeface="Cambria Math" panose="02040503050406030204" pitchFamily="18" charset="0"/>
+                                </a:rPr>
+                                <m:t>𝑗</m:t>
+                              </m:r>
+                            </m:sub>
+                          </m:sSub>
+                        </m:sub>
+                        <m:sup/>
+                        <m:e>
+                          <m:sSub>
+                            <m:sSubPr>
+                              <m:ctrlPr>
+                                <a:rPr lang="en-US" b="0" i="1" smtClean="0">
+                                  <a:latin typeface="Cambria Math" panose="02040503050406030204" pitchFamily="18" charset="0"/>
+                                </a:rPr>
+                              </m:ctrlPr>
+                            </m:sSubPr>
+                            <m:e>
+                              <m:r>
+                                <a:rPr lang="en-US" b="0" i="1" smtClean="0">
+                                  <a:latin typeface="Cambria Math" panose="02040503050406030204" pitchFamily="18" charset="0"/>
+                                </a:rPr>
+                                <m:t>𝑓</m:t>
+                              </m:r>
+                            </m:e>
+                            <m:sub>
+                              <m:sSub>
+                                <m:sSubPr>
+                                  <m:ctrlPr>
+                                    <a:rPr lang="en-US" b="0" i="1" smtClean="0">
+                                      <a:latin typeface="Cambria Math" panose="02040503050406030204" pitchFamily="18" charset="0"/>
+                                    </a:rPr>
+                                  </m:ctrlPr>
+                                </m:sSubPr>
+                                <m:e>
+                                  <m:r>
+                                    <a:rPr lang="en-US" b="0" i="1" smtClean="0">
+                                      <a:latin typeface="Cambria Math" panose="02040503050406030204" pitchFamily="18" charset="0"/>
+                                    </a:rPr>
+                                    <m:t>𝑥</m:t>
+                                  </m:r>
+                                </m:e>
+                                <m:sub>
+                                  <m:r>
+                                    <a:rPr lang="en-US" b="0" i="1" smtClean="0">
+                                      <a:latin typeface="Cambria Math" panose="02040503050406030204" pitchFamily="18" charset="0"/>
+                                    </a:rPr>
+                                    <m:t>𝑖</m:t>
+                                  </m:r>
+                                </m:sub>
+                              </m:sSub>
+                              <m:r>
+                                <a:rPr lang="en-US" b="0" i="1" smtClean="0">
+                                  <a:latin typeface="Cambria Math" panose="02040503050406030204" pitchFamily="18" charset="0"/>
+                                </a:rPr>
+                                <m:t>,</m:t>
+                              </m:r>
+                              <m:sSub>
+                                <m:sSubPr>
+                                  <m:ctrlPr>
+                                    <a:rPr lang="en-US" b="0" i="1" smtClean="0">
+                                      <a:latin typeface="Cambria Math" panose="02040503050406030204" pitchFamily="18" charset="0"/>
+                                    </a:rPr>
+                                  </m:ctrlPr>
+                                </m:sSubPr>
+                                <m:e>
+                                  <m:r>
+                                    <a:rPr lang="en-US" b="0" i="1" smtClean="0">
+                                      <a:latin typeface="Cambria Math" panose="02040503050406030204" pitchFamily="18" charset="0"/>
+                                    </a:rPr>
+                                    <m:t>𝑥</m:t>
+                                  </m:r>
+                                </m:e>
+                                <m:sub>
+                                  <m:r>
+                                    <a:rPr lang="en-US" b="0" i="1" smtClean="0">
+                                      <a:latin typeface="Cambria Math" panose="02040503050406030204" pitchFamily="18" charset="0"/>
+                                    </a:rPr>
+                                    <m:t>𝑗</m:t>
+                                  </m:r>
+                                </m:sub>
+                              </m:sSub>
+                            </m:sub>
+                          </m:sSub>
+                          <m:sSub>
+                            <m:sSubPr>
+                              <m:ctrlPr>
+                                <a:rPr lang="en-US" b="0" i="1" smtClean="0">
+                                  <a:latin typeface="Cambria Math" panose="02040503050406030204" pitchFamily="18" charset="0"/>
+                                </a:rPr>
+                              </m:ctrlPr>
+                            </m:sSubPr>
+                            <m:e>
+                              <m:r>
+                                <a:rPr lang="en-US" b="0" i="1" smtClean="0">
+                                  <a:latin typeface="Cambria Math" panose="02040503050406030204" pitchFamily="18" charset="0"/>
+                                </a:rPr>
+                                <m:t>𝑙𝑜𝑔</m:t>
+                              </m:r>
+                            </m:e>
+                            <m:sub>
+                              <m:r>
+                                <a:rPr lang="en-US" b="0" i="1" smtClean="0">
+                                  <a:latin typeface="Cambria Math" panose="02040503050406030204" pitchFamily="18" charset="0"/>
+                                </a:rPr>
+                                <m:t>2</m:t>
+                              </m:r>
+                            </m:sub>
+                          </m:sSub>
+                          <m:f>
+                            <m:fPr>
+                              <m:ctrlPr>
+                                <a:rPr lang="en-US" b="0" i="1" smtClean="0">
+                                  <a:latin typeface="Cambria Math" panose="02040503050406030204" pitchFamily="18" charset="0"/>
+                                </a:rPr>
+                              </m:ctrlPr>
+                            </m:fPr>
+                            <m:num>
+                              <m:sSub>
+                                <m:sSubPr>
+                                  <m:ctrlPr>
+                                    <a:rPr lang="en-US" i="1">
+                                      <a:latin typeface="Cambria Math" panose="02040503050406030204" pitchFamily="18" charset="0"/>
+                                    </a:rPr>
+                                  </m:ctrlPr>
+                                </m:sSubPr>
+                                <m:e>
+                                  <m:r>
+                                    <a:rPr lang="en-US" i="1">
+                                      <a:latin typeface="Cambria Math" panose="02040503050406030204" pitchFamily="18" charset="0"/>
+                                    </a:rPr>
+                                    <m:t>𝑓</m:t>
+                                  </m:r>
+                                </m:e>
+                                <m:sub>
+                                  <m:sSub>
+                                    <m:sSubPr>
+                                      <m:ctrlPr>
+                                        <a:rPr lang="en-US" i="1">
+                                          <a:latin typeface="Cambria Math" panose="02040503050406030204" pitchFamily="18" charset="0"/>
+                                        </a:rPr>
+                                      </m:ctrlPr>
+                                    </m:sSubPr>
+                                    <m:e>
+                                      <m:r>
+                                        <a:rPr lang="en-US" i="1">
+                                          <a:latin typeface="Cambria Math" panose="02040503050406030204" pitchFamily="18" charset="0"/>
+                                        </a:rPr>
+                                        <m:t>𝑥</m:t>
+                                      </m:r>
+                                    </m:e>
+                                    <m:sub>
+                                      <m:r>
+                                        <a:rPr lang="en-US" i="1">
+                                          <a:latin typeface="Cambria Math" panose="02040503050406030204" pitchFamily="18" charset="0"/>
+                                        </a:rPr>
+                                        <m:t>𝑖</m:t>
+                                      </m:r>
+                                    </m:sub>
+                                  </m:sSub>
+                                  <m:r>
+                                    <a:rPr lang="en-US" i="1">
+                                      <a:latin typeface="Cambria Math" panose="02040503050406030204" pitchFamily="18" charset="0"/>
+                                    </a:rPr>
+                                    <m:t>,</m:t>
+                                  </m:r>
+                                  <m:sSub>
+                                    <m:sSubPr>
+                                      <m:ctrlPr>
+                                        <a:rPr lang="en-US" i="1">
+                                          <a:latin typeface="Cambria Math" panose="02040503050406030204" pitchFamily="18" charset="0"/>
+                                        </a:rPr>
+                                      </m:ctrlPr>
+                                    </m:sSubPr>
+                                    <m:e>
+                                      <m:r>
+                                        <a:rPr lang="en-US" i="1">
+                                          <a:latin typeface="Cambria Math" panose="02040503050406030204" pitchFamily="18" charset="0"/>
+                                        </a:rPr>
+                                        <m:t>𝑥</m:t>
+                                      </m:r>
+                                    </m:e>
+                                    <m:sub>
+                                      <m:r>
+                                        <a:rPr lang="en-US" i="1">
+                                          <a:latin typeface="Cambria Math" panose="02040503050406030204" pitchFamily="18" charset="0"/>
+                                        </a:rPr>
+                                        <m:t>𝑗</m:t>
+                                      </m:r>
+                                    </m:sub>
+                                  </m:sSub>
+                                </m:sub>
+                              </m:sSub>
+                            </m:num>
+                            <m:den>
+                              <m:sSub>
+                                <m:sSubPr>
+                                  <m:ctrlPr>
+                                    <a:rPr lang="en-US" i="1">
+                                      <a:latin typeface="Cambria Math" panose="02040503050406030204" pitchFamily="18" charset="0"/>
+                                    </a:rPr>
+                                  </m:ctrlPr>
+                                </m:sSubPr>
+                                <m:e>
+                                  <m:r>
+                                    <a:rPr lang="en-US" i="1">
+                                      <a:latin typeface="Cambria Math" panose="02040503050406030204" pitchFamily="18" charset="0"/>
+                                    </a:rPr>
+                                    <m:t>𝑓</m:t>
+                                  </m:r>
+                                </m:e>
+                                <m:sub>
+                                  <m:sSub>
+                                    <m:sSubPr>
+                                      <m:ctrlPr>
+                                        <a:rPr lang="en-US" i="1">
+                                          <a:latin typeface="Cambria Math" panose="02040503050406030204" pitchFamily="18" charset="0"/>
+                                        </a:rPr>
+                                      </m:ctrlPr>
+                                    </m:sSubPr>
+                                    <m:e>
+                                      <m:r>
+                                        <a:rPr lang="en-US" i="1">
+                                          <a:latin typeface="Cambria Math" panose="02040503050406030204" pitchFamily="18" charset="0"/>
+                                        </a:rPr>
+                                        <m:t>𝑥</m:t>
+                                      </m:r>
+                                    </m:e>
+                                    <m:sub>
+                                      <m:r>
+                                        <a:rPr lang="en-US" i="1">
+                                          <a:latin typeface="Cambria Math" panose="02040503050406030204" pitchFamily="18" charset="0"/>
+                                        </a:rPr>
+                                        <m:t>𝑖</m:t>
+                                      </m:r>
+                                    </m:sub>
+                                  </m:sSub>
+                                </m:sub>
+                              </m:sSub>
+                              <m:sSub>
+                                <m:sSubPr>
+                                  <m:ctrlPr>
+                                    <a:rPr lang="en-US" i="1">
+                                      <a:latin typeface="Cambria Math" panose="02040503050406030204" pitchFamily="18" charset="0"/>
+                                    </a:rPr>
+                                  </m:ctrlPr>
+                                </m:sSubPr>
+                                <m:e>
+                                  <m:r>
+                                    <a:rPr lang="en-US" i="1">
+                                      <a:latin typeface="Cambria Math" panose="02040503050406030204" pitchFamily="18" charset="0"/>
+                                    </a:rPr>
+                                    <m:t>𝑓</m:t>
+                                  </m:r>
+                                </m:e>
+                                <m:sub>
+                                  <m:sSub>
+                                    <m:sSubPr>
+                                      <m:ctrlPr>
+                                        <a:rPr lang="en-US" i="1">
+                                          <a:latin typeface="Cambria Math" panose="02040503050406030204" pitchFamily="18" charset="0"/>
+                                        </a:rPr>
+                                      </m:ctrlPr>
+                                    </m:sSubPr>
+                                    <m:e>
+                                      <m:r>
+                                        <a:rPr lang="en-US" i="1">
+                                          <a:latin typeface="Cambria Math" panose="02040503050406030204" pitchFamily="18" charset="0"/>
+                                        </a:rPr>
+                                        <m:t>𝑥</m:t>
+                                      </m:r>
+                                    </m:e>
+                                    <m:sub>
+                                      <m:r>
+                                        <a:rPr lang="en-US" b="0" i="1" smtClean="0">
+                                          <a:latin typeface="Cambria Math" panose="02040503050406030204" pitchFamily="18" charset="0"/>
+                                        </a:rPr>
+                                        <m:t>𝑗</m:t>
+                                      </m:r>
+                                    </m:sub>
+                                  </m:sSub>
+                                </m:sub>
+                              </m:sSub>
+                            </m:den>
+                          </m:f>
+                        </m:e>
+                      </m:nary>
+                    </m:oMath>
+                  </m:oMathPara>
+                </a14:m>
+                <a:endParaRPr lang="en-US" dirty="0"/>
+              </a:p>
+            </p:txBody>
+          </p:sp>
+        </mc:Choice>
+        <mc:Fallback>
+          <p:sp>
+            <p:nvSpPr>
+              <p:cNvPr id="3" name="TextBox 2">
+                <a:extLst>
+                  <a:ext uri="{FF2B5EF4-FFF2-40B4-BE49-F238E27FC236}">
+                    <a16:creationId xmlns:a16="http://schemas.microsoft.com/office/drawing/2014/main" id="{0760330B-F755-AE4D-8032-5DBB20B6404F}"/>
+                  </a:ext>
+                </a:extLst>
+              </p:cNvPr>
+              <p:cNvSpPr txBox="1">
+                <a:spLocks noRot="1" noChangeAspect="1" noMove="1" noResize="1" noEditPoints="1" noAdjustHandles="1" noChangeArrowheads="1" noChangeShapeType="1" noTextEdit="1"/>
+              </p:cNvSpPr>
+              <p:nvPr/>
+            </p:nvSpPr>
+            <p:spPr>
+              <a:xfrm>
+                <a:off x="2832099" y="4932959"/>
+                <a:ext cx="3479799" cy="1027333"/>
+              </a:xfrm>
+              <a:prstGeom prst="rect">
+                <a:avLst/>
+              </a:prstGeom>
+              <a:blipFill>
+                <a:blip r:embed="rId3"/>
+                <a:stretch>
+                  <a:fillRect l="-5455" t="-123171" b="-169512"/>
+                </a:stretch>
+              </a:blipFill>
+            </p:spPr>
+            <p:txBody>
+              <a:bodyPr/>
+              <a:lstStyle/>
+              <a:p>
+                <a:r>
+                  <a:rPr lang="en-US">
+                    <a:noFill/>
+                  </a:rPr>
+                  <a:t> </a:t>
+                </a:r>
+              </a:p>
+            </p:txBody>
+          </p:sp>
+        </mc:Fallback>
+      </mc:AlternateContent>
+    </p:spTree>
+    <p:extLst>
+      <p:ext uri="{BB962C8B-B14F-4D97-AF65-F5344CB8AC3E}">
+        <p14:creationId xmlns:p14="http://schemas.microsoft.com/office/powerpoint/2010/main" val="1830224444"/>
+      </p:ext>
+    </p:extLst>
+  </p:cSld>
+  <p:clrMapOvr>
+    <a:masterClrMapping/>
+  </p:clrMapOvr>
+</p:sld>
+</file>
+
+<file path=ppt/slides/slide6.xml><?xml version="1.0" encoding="utf-8"?>
+<p:sld xmlns:a="http://schemas.openxmlformats.org/drawingml/2006/main" xmlns:r="http://schemas.openxmlformats.org/officeDocument/2006/relationships" xmlns:p="http://schemas.openxmlformats.org/presentationml/2006/main">
+  <p:cSld>
+    <p:spTree>
+      <p:nvGrpSpPr>
+        <p:cNvPr id="1" name=""/>
+        <p:cNvGrpSpPr/>
+        <p:nvPr/>
+      </p:nvGrpSpPr>
+      <p:grpSpPr>
+        <a:xfrm>
+          <a:off x="0" y="0"/>
+          <a:ext cx="0" cy="0"/>
+          <a:chOff x="0" y="0"/>
+          <a:chExt cx="0" cy="0"/>
+        </a:xfrm>
+      </p:grpSpPr>
+      <p:sp>
+        <p:nvSpPr>
+          <p:cNvPr id="2" name="Title 1"/>
+          <p:cNvSpPr>
+            <a:spLocks noGrp="1"/>
+          </p:cNvSpPr>
+          <p:nvPr>
+            <p:ph type="title"/>
+          </p:nvPr>
+        </p:nvSpPr>
+        <p:spPr/>
+        <p:txBody>
+          <a:bodyPr/>
+          <a:lstStyle/>
+          <a:p>
+            <a:endParaRPr lang="en-US"/>
+          </a:p>
+        </p:txBody>
+      </p:sp>
+      <p:sp>
+        <p:nvSpPr>
+          <p:cNvPr id="3" name="Content Placeholder 2"/>
+          <p:cNvSpPr>
+            <a:spLocks noGrp="1"/>
+          </p:cNvSpPr>
+          <p:nvPr>
+            <p:ph idx="1"/>
+          </p:nvPr>
+        </p:nvSpPr>
+        <p:spPr/>
+        <p:txBody>
+          <a:bodyPr/>
+          <a:lstStyle/>
+          <a:p>
+            <a:endParaRPr lang="en-US"/>
+          </a:p>
+        </p:txBody>
+      </p:sp>
+      <p:sp>
+        <p:nvSpPr>
+          <p:cNvPr id="4" name="Slide Number Placeholder 3"/>
+          <p:cNvSpPr>
+            <a:spLocks noGrp="1"/>
+          </p:cNvSpPr>
+          <p:nvPr>
+            <p:ph type="sldNum" sz="quarter" idx="4"/>
+          </p:nvPr>
+        </p:nvSpPr>
+        <p:spPr/>
+        <p:txBody>
+          <a:bodyPr/>
+          <a:lstStyle/>
+          <a:p>
+            <a:fld id="{179A9A4E-4C82-4D44-9372-C31BB3818094}" type="slidenum">
+              <a:rPr lang="en-US" smtClean="0"/>
+              <a:pPr/>
+              <a:t>6</a:t>
+            </a:fld>
+            <a:endParaRPr lang="en-US" dirty="0"/>
+          </a:p>
+        </p:txBody>
+      </p:sp>
+      <p:sp>
+        <p:nvSpPr>
+          <p:cNvPr id="5" name="Text Placeholder 4"/>
+          <p:cNvSpPr>
+            <a:spLocks noGrp="1"/>
+          </p:cNvSpPr>
+          <p:nvPr>
+            <p:ph type="body" sz="quarter" idx="10"/>
+          </p:nvPr>
+        </p:nvSpPr>
+        <p:spPr/>
+        <p:txBody>
+          <a:bodyPr/>
+          <a:lstStyle/>
+          <a:p>
+            <a:endParaRPr lang="en-US"/>
+          </a:p>
+        </p:txBody>
+      </p:sp>
+    </p:spTree>
+    <p:extLst>
+      <p:ext uri="{BB962C8B-B14F-4D97-AF65-F5344CB8AC3E}">
+        <p14:creationId xmlns:p14="http://schemas.microsoft.com/office/powerpoint/2010/main" val="2960416225"/>
       </p:ext>
     </p:extLst>
   </p:cSld>
